--- a/第7堂_暱名登入/第7堂_暱名登入.pptx
+++ b/第7堂_暱名登入/第7堂_暱名登入.pptx
@@ -33961,18 +33961,40 @@
         </p:spPr>
         <p:txBody>
           <a:bodyPr/>
-          <a:lstStyle>
-            <a:lvl1pPr defTabSz="877823">
+          <a:lstStyle/>
+          <a:p>
+            <a:pPr defTabSz="877823">
               <a:lnSpc>
                 <a:spcPct val="108000"/>
               </a:lnSpc>
               <a:defRPr sz="2304"/>
-            </a:lvl1pPr>
-          </a:lstStyle>
-          <a:p>
-            <a:pPr/>
+            </a:pPr>
             <a:r>
-              <a:t>iOS行動程式基礎開發上架</a:t>
+              <a:rPr>
+                <a:latin typeface="微軟正黑體"/>
+                <a:ea typeface="微軟正黑體"/>
+                <a:cs typeface="微軟正黑體"/>
+                <a:sym typeface="微軟正黑體"/>
+              </a:rPr>
+              <a:t>iOS</a:t>
+            </a:r>
+            <a:r>
+              <a:rPr>
+                <a:latin typeface="微軟正黑體"/>
+                <a:ea typeface="微軟正黑體"/>
+                <a:cs typeface="微軟正黑體"/>
+                <a:sym typeface="微軟正黑體"/>
+              </a:rPr>
+              <a:t>機</a:t>
+            </a:r>
+            <a:r>
+              <a:rPr>
+                <a:latin typeface="微軟正黑體"/>
+                <a:ea typeface="微軟正黑體"/>
+                <a:cs typeface="微軟正黑體"/>
+                <a:sym typeface="微軟正黑體"/>
+              </a:rPr>
+              <a:t>械學習和雲端資料庫開發</a:t>
             </a:r>
           </a:p>
         </p:txBody>
